--- a/КР. 09.02.03.18.16-2.19.ПЗ.pptx
+++ b/КР. 09.02.03.18.16-2.19.ПЗ.pptx
@@ -5,18 +5,17 @@
     <p:sldMasterId id="2147483648" r:id="rId1"/>
   </p:sldMasterIdLst>
   <p:notesMasterIdLst>
-    <p:notesMasterId r:id="rId11"/>
+    <p:notesMasterId r:id="rId10"/>
   </p:notesMasterIdLst>
   <p:sldIdLst>
     <p:sldId id="256" r:id="rId2"/>
     <p:sldId id="257" r:id="rId3"/>
     <p:sldId id="258" r:id="rId4"/>
     <p:sldId id="259" r:id="rId5"/>
-    <p:sldId id="261" r:id="rId6"/>
-    <p:sldId id="262" r:id="rId7"/>
-    <p:sldId id="263" r:id="rId8"/>
-    <p:sldId id="264" r:id="rId9"/>
-    <p:sldId id="265" r:id="rId10"/>
+    <p:sldId id="262" r:id="rId6"/>
+    <p:sldId id="263" r:id="rId7"/>
+    <p:sldId id="264" r:id="rId8"/>
+    <p:sldId id="265" r:id="rId9"/>
   </p:sldIdLst>
   <p:sldSz cx="9144000" cy="6858000" type="screen4x3"/>
   <p:notesSz cx="6858000" cy="9144000"/>
@@ -466,6 +465,90 @@
     </a:lvl9pPr>
   </p:notesStyle>
 </p:notesMaster>
+</file>
+
+<file path=ppt/notesSlides/notesSlide1.xml><?xml version="1.0" encoding="utf-8"?>
+<p:notes xmlns:a="http://schemas.openxmlformats.org/drawingml/2006/main" xmlns:r="http://schemas.openxmlformats.org/officeDocument/2006/relationships" xmlns:p="http://schemas.openxmlformats.org/presentationml/2006/main">
+  <p:cSld>
+    <p:spTree>
+      <p:nvGrpSpPr>
+        <p:cNvPr id="1" name=""/>
+        <p:cNvGrpSpPr/>
+        <p:nvPr/>
+      </p:nvGrpSpPr>
+      <p:grpSpPr>
+        <a:xfrm>
+          <a:off x="0" y="0"/>
+          <a:ext cx="0" cy="0"/>
+          <a:chOff x="0" y="0"/>
+          <a:chExt cx="0" cy="0"/>
+        </a:xfrm>
+      </p:grpSpPr>
+      <p:sp>
+        <p:nvSpPr>
+          <p:cNvPr id="2" name="Образ слайда 1"/>
+          <p:cNvSpPr>
+            <a:spLocks noGrp="1" noRot="1" noChangeAspect="1"/>
+          </p:cNvSpPr>
+          <p:nvPr>
+            <p:ph type="sldImg"/>
+          </p:nvPr>
+        </p:nvSpPr>
+        <p:spPr/>
+      </p:sp>
+      <p:sp>
+        <p:nvSpPr>
+          <p:cNvPr id="3" name="Заметки 2"/>
+          <p:cNvSpPr>
+            <a:spLocks noGrp="1"/>
+          </p:cNvSpPr>
+          <p:nvPr>
+            <p:ph type="body" idx="1"/>
+          </p:nvPr>
+        </p:nvSpPr>
+        <p:spPr/>
+        <p:txBody>
+          <a:bodyPr/>
+          <a:lstStyle/>
+          <a:p>
+            <a:endParaRPr lang="ru-RU" dirty="0"/>
+          </a:p>
+        </p:txBody>
+      </p:sp>
+      <p:sp>
+        <p:nvSpPr>
+          <p:cNvPr id="4" name="Номер слайда 3"/>
+          <p:cNvSpPr>
+            <a:spLocks noGrp="1"/>
+          </p:cNvSpPr>
+          <p:nvPr>
+            <p:ph type="sldNum" sz="quarter" idx="10"/>
+          </p:nvPr>
+        </p:nvSpPr>
+        <p:spPr/>
+        <p:txBody>
+          <a:bodyPr/>
+          <a:lstStyle/>
+          <a:p>
+            <a:fld id="{409DA078-8694-4A3B-A961-114E7EA32B9F}" type="slidenum">
+              <a:rPr lang="ru-RU" smtClean="0"/>
+              <a:t>5</a:t>
+            </a:fld>
+            <a:endParaRPr lang="ru-RU"/>
+          </a:p>
+        </p:txBody>
+      </p:sp>
+    </p:spTree>
+    <p:extLst>
+      <p:ext uri="{BB962C8B-B14F-4D97-AF65-F5344CB8AC3E}">
+        <p14:creationId xmlns:p14="http://schemas.microsoft.com/office/powerpoint/2010/main" val="1783738417"/>
+      </p:ext>
+    </p:extLst>
+  </p:cSld>
+  <p:clrMapOvr>
+    <a:masterClrMapping/>
+  </p:clrMapOvr>
+</p:notes>
 </file>
 
 <file path=ppt/slideLayouts/slideLayout1.xml><?xml version="1.0" encoding="utf-8"?>
@@ -3558,48 +3641,6 @@
       </p:sp>
       <p:sp>
         <p:nvSpPr>
-          <p:cNvPr id="4" name="Прямоугольник 3"/>
-          <p:cNvSpPr/>
-          <p:nvPr/>
-        </p:nvSpPr>
-        <p:spPr>
-          <a:xfrm>
-            <a:off x="0" y="6188186"/>
-            <a:ext cx="9180512" cy="369332"/>
-          </a:xfrm>
-          <a:prstGeom prst="rect">
-            <a:avLst/>
-          </a:prstGeom>
-        </p:spPr>
-        <p:txBody>
-          <a:bodyPr wrap="square">
-            <a:spAutoFit/>
-          </a:bodyPr>
-          <a:lstStyle/>
-          <a:p>
-            <a:pPr algn="ctr"/>
-            <a:r>
-              <a:rPr lang="ru-RU" dirty="0" smtClean="0">
-                <a:solidFill>
-                  <a:schemeClr val="tx2">
-                    <a:lumMod val="50000"/>
-                  </a:schemeClr>
-                </a:solidFill>
-              </a:rPr>
-              <a:t>Иркутск 2018</a:t>
-            </a:r>
-            <a:endParaRPr lang="ru-RU" dirty="0">
-              <a:solidFill>
-                <a:schemeClr val="tx2">
-                  <a:lumMod val="50000"/>
-                </a:schemeClr>
-              </a:solidFill>
-            </a:endParaRPr>
-          </a:p>
-        </p:txBody>
-      </p:sp>
-      <p:sp>
-        <p:nvSpPr>
           <p:cNvPr id="5" name="Подзаголовок 2"/>
           <p:cNvSpPr txBox="1">
             <a:spLocks/>
@@ -3996,13 +4037,10 @@
                 <a:ea typeface="Tinos" panose="02020603050405020304" pitchFamily="18" charset="0"/>
                 <a:cs typeface="Tinos" panose="02020603050405020304" pitchFamily="18" charset="0"/>
               </a:rPr>
-              <a:t>Выбор используемых шифров; </a:t>
-            </a:r>
-          </a:p>
-          <a:p>
-            <a:pPr lvl="0"/>
-            <a:r>
-              <a:rPr lang="ru-RU" dirty="0">
+              <a:t>Выбор </a:t>
+            </a:r>
+            <a:r>
+              <a:rPr lang="ru-RU" dirty="0" smtClean="0">
                 <a:solidFill>
                   <a:schemeClr val="tx2">
                     <a:lumMod val="50000"/>
@@ -4012,8 +4050,57 @@
                 <a:ea typeface="Tinos" panose="02020603050405020304" pitchFamily="18" charset="0"/>
                 <a:cs typeface="Tinos" panose="02020603050405020304" pitchFamily="18" charset="0"/>
               </a:rPr>
-              <a:t>Разработка алгоритмов выбранных шифров;</a:t>
-            </a:r>
+              <a:t>используемого шифра; </a:t>
+            </a:r>
+            <a:endParaRPr lang="ru-RU" dirty="0">
+              <a:solidFill>
+                <a:schemeClr val="tx2">
+                  <a:lumMod val="50000"/>
+                </a:schemeClr>
+              </a:solidFill>
+              <a:latin typeface="Tinos" panose="02020603050405020304" pitchFamily="18" charset="0"/>
+              <a:ea typeface="Tinos" panose="02020603050405020304" pitchFamily="18" charset="0"/>
+              <a:cs typeface="Tinos" panose="02020603050405020304" pitchFamily="18" charset="0"/>
+            </a:endParaRPr>
+          </a:p>
+          <a:p>
+            <a:pPr lvl="0"/>
+            <a:r>
+              <a:rPr lang="ru-RU" dirty="0">
+                <a:solidFill>
+                  <a:schemeClr val="tx2">
+                    <a:lumMod val="50000"/>
+                  </a:schemeClr>
+                </a:solidFill>
+                <a:latin typeface="Tinos" panose="02020603050405020304" pitchFamily="18" charset="0"/>
+                <a:ea typeface="Tinos" panose="02020603050405020304" pitchFamily="18" charset="0"/>
+                <a:cs typeface="Tinos" panose="02020603050405020304" pitchFamily="18" charset="0"/>
+              </a:rPr>
+              <a:t>Разработка </a:t>
+            </a:r>
+            <a:r>
+              <a:rPr lang="ru-RU" dirty="0" smtClean="0">
+                <a:solidFill>
+                  <a:schemeClr val="tx2">
+                    <a:lumMod val="50000"/>
+                  </a:schemeClr>
+                </a:solidFill>
+                <a:latin typeface="Tinos" panose="02020603050405020304" pitchFamily="18" charset="0"/>
+                <a:ea typeface="Tinos" panose="02020603050405020304" pitchFamily="18" charset="0"/>
+                <a:cs typeface="Tinos" panose="02020603050405020304" pitchFamily="18" charset="0"/>
+              </a:rPr>
+              <a:t>алгоритма выбранного шифра;</a:t>
+            </a:r>
+            <a:endParaRPr lang="ru-RU" dirty="0">
+              <a:solidFill>
+                <a:schemeClr val="tx2">
+                  <a:lumMod val="50000"/>
+                </a:schemeClr>
+              </a:solidFill>
+              <a:latin typeface="Tinos" panose="02020603050405020304" pitchFamily="18" charset="0"/>
+              <a:ea typeface="Tinos" panose="02020603050405020304" pitchFamily="18" charset="0"/>
+              <a:cs typeface="Tinos" panose="02020603050405020304" pitchFamily="18" charset="0"/>
+            </a:endParaRPr>
           </a:p>
           <a:p>
             <a:pPr lvl="0"/>
@@ -4648,7 +4735,7 @@
                 <a:ea typeface="Tinos" panose="02020603050405020304" pitchFamily="18" charset="0"/>
                 <a:cs typeface="Tinos" panose="02020603050405020304" pitchFamily="18" charset="0"/>
               </a:rPr>
-              <a:t>«Кузнечик»</a:t>
+              <a:t>Интерфейс</a:t>
             </a:r>
             <a:endParaRPr lang="ru-RU" dirty="0">
               <a:solidFill>
@@ -4663,185 +4750,9 @@
           </a:p>
         </p:txBody>
       </p:sp>
-      <p:sp>
-        <p:nvSpPr>
-          <p:cNvPr id="3" name="Объект 2"/>
-          <p:cNvSpPr>
-            <a:spLocks noGrp="1"/>
-          </p:cNvSpPr>
-          <p:nvPr>
-            <p:ph idx="1"/>
-          </p:nvPr>
-        </p:nvSpPr>
-        <p:spPr/>
-        <p:txBody>
-          <a:bodyPr/>
-          <a:lstStyle/>
-          <a:p>
-            <a:r>
-              <a:rPr lang="ru-RU" dirty="0">
-                <a:solidFill>
-                  <a:schemeClr val="tx2">
-                    <a:lumMod val="50000"/>
-                  </a:schemeClr>
-                </a:solidFill>
-                <a:latin typeface="Tinos" panose="02020603050405020304" pitchFamily="18" charset="0"/>
-                <a:ea typeface="Tinos" panose="02020603050405020304" pitchFamily="18" charset="0"/>
-                <a:cs typeface="Tinos" panose="02020603050405020304" pitchFamily="18" charset="0"/>
-              </a:rPr>
-              <a:t>симметричный алгоритм блочного шифрования с размером блока 128 бит и длиной ключа 256 бит, для генерации которого используется сеть </a:t>
-            </a:r>
-            <a:r>
-              <a:rPr lang="ru-RU" dirty="0" err="1">
-                <a:solidFill>
-                  <a:schemeClr val="tx2">
-                    <a:lumMod val="50000"/>
-                  </a:schemeClr>
-                </a:solidFill>
-                <a:latin typeface="Tinos" panose="02020603050405020304" pitchFamily="18" charset="0"/>
-                <a:ea typeface="Tinos" panose="02020603050405020304" pitchFamily="18" charset="0"/>
-                <a:cs typeface="Tinos" panose="02020603050405020304" pitchFamily="18" charset="0"/>
-              </a:rPr>
-              <a:t>Фейстеля</a:t>
-            </a:r>
-            <a:r>
-              <a:rPr lang="ru-RU" dirty="0">
-                <a:solidFill>
-                  <a:schemeClr val="tx2">
-                    <a:lumMod val="50000"/>
-                  </a:schemeClr>
-                </a:solidFill>
-                <a:latin typeface="Tinos" panose="02020603050405020304" pitchFamily="18" charset="0"/>
-                <a:ea typeface="Tinos" panose="02020603050405020304" pitchFamily="18" charset="0"/>
-                <a:cs typeface="Tinos" panose="02020603050405020304" pitchFamily="18" charset="0"/>
-              </a:rPr>
-              <a:t>.</a:t>
-            </a:r>
-          </a:p>
-        </p:txBody>
-      </p:sp>
-    </p:spTree>
-    <p:extLst>
-      <p:ext uri="{BB962C8B-B14F-4D97-AF65-F5344CB8AC3E}">
-        <p14:creationId xmlns:p14="http://schemas.microsoft.com/office/powerpoint/2010/main" val="655565438"/>
-      </p:ext>
-    </p:extLst>
-  </p:cSld>
-  <p:clrMapOvr>
-    <a:masterClrMapping/>
-  </p:clrMapOvr>
-  <p:timing>
-    <p:tnLst>
-      <p:par>
-        <p:cTn id="1" dur="indefinite" restart="never" nodeType="tmRoot"/>
-      </p:par>
-    </p:tnLst>
-  </p:timing>
-</p:sld>
-</file>
-
-<file path=ppt/slides/slide6.xml><?xml version="1.0" encoding="utf-8"?>
-<p:sld xmlns:a="http://schemas.openxmlformats.org/drawingml/2006/main" xmlns:r="http://schemas.openxmlformats.org/officeDocument/2006/relationships" xmlns:p="http://schemas.openxmlformats.org/presentationml/2006/main">
-  <p:cSld>
-    <p:spTree>
-      <p:nvGrpSpPr>
-        <p:cNvPr id="1" name=""/>
-        <p:cNvGrpSpPr/>
-        <p:nvPr/>
-      </p:nvGrpSpPr>
-      <p:grpSpPr>
-        <a:xfrm>
-          <a:off x="0" y="0"/>
-          <a:ext cx="0" cy="0"/>
-          <a:chOff x="0" y="0"/>
-          <a:chExt cx="0" cy="0"/>
-        </a:xfrm>
-      </p:grpSpPr>
-      <p:sp>
-        <p:nvSpPr>
-          <p:cNvPr id="2" name="Заголовок 1"/>
-          <p:cNvSpPr>
-            <a:spLocks noGrp="1"/>
-          </p:cNvSpPr>
-          <p:nvPr>
-            <p:ph type="title"/>
-          </p:nvPr>
-        </p:nvSpPr>
-        <p:spPr/>
-        <p:txBody>
-          <a:bodyPr/>
-          <a:lstStyle/>
-          <a:p>
-            <a:r>
-              <a:rPr lang="ru-RU" dirty="0" smtClean="0">
-                <a:solidFill>
-                  <a:schemeClr val="tx2">
-                    <a:lumMod val="50000"/>
-                  </a:schemeClr>
-                </a:solidFill>
-                <a:latin typeface="Tinos" panose="02020603050405020304" pitchFamily="18" charset="0"/>
-                <a:ea typeface="Tinos" panose="02020603050405020304" pitchFamily="18" charset="0"/>
-                <a:cs typeface="Tinos" panose="02020603050405020304" pitchFamily="18" charset="0"/>
-              </a:rPr>
-              <a:t>Интерфейс</a:t>
-            </a:r>
-            <a:endParaRPr lang="ru-RU" dirty="0">
-              <a:solidFill>
-                <a:schemeClr val="tx2">
-                  <a:lumMod val="50000"/>
-                </a:schemeClr>
-              </a:solidFill>
-              <a:latin typeface="Tinos" panose="02020603050405020304" pitchFamily="18" charset="0"/>
-              <a:ea typeface="Tinos" panose="02020603050405020304" pitchFamily="18" charset="0"/>
-              <a:cs typeface="Tinos" panose="02020603050405020304" pitchFamily="18" charset="0"/>
-            </a:endParaRPr>
-          </a:p>
-        </p:txBody>
-      </p:sp>
       <p:pic>
         <p:nvPicPr>
-          <p:cNvPr id="1027" name="Picture 3" descr="C:\Users\Дмитрий\Desktop\J5WTD5xhqxo.jpg"/>
-          <p:cNvPicPr>
-            <a:picLocks noChangeAspect="1" noChangeArrowheads="1"/>
-          </p:cNvPicPr>
-          <p:nvPr/>
-        </p:nvPicPr>
-        <p:blipFill>
-          <a:blip r:embed="rId2" cstate="print">
-            <a:extLst>
-              <a:ext uri="{28A0092B-C50C-407E-A947-70E740481C1C}">
-                <a14:useLocalDpi xmlns:a14="http://schemas.microsoft.com/office/drawing/2010/main" val="0"/>
-              </a:ext>
-            </a:extLst>
-          </a:blip>
-          <a:srcRect/>
-          <a:stretch>
-            <a:fillRect/>
-          </a:stretch>
-        </p:blipFill>
-        <p:spPr bwMode="auto">
-          <a:xfrm>
-            <a:off x="4570461" y="1796064"/>
-            <a:ext cx="1955343" cy="3476166"/>
-          </a:xfrm>
-          <a:prstGeom prst="rect">
-            <a:avLst/>
-          </a:prstGeom>
-          <a:noFill/>
-          <a:extLst>
-            <a:ext uri="{909E8E84-426E-40DD-AFC4-6F175D3DCCD1}">
-              <a14:hiddenFill xmlns:a14="http://schemas.microsoft.com/office/drawing/2010/main">
-                <a:solidFill>
-                  <a:srgbClr val="FFFFFF"/>
-                </a:solidFill>
-              </a14:hiddenFill>
-            </a:ext>
-          </a:extLst>
-        </p:spPr>
-      </p:pic>
-      <p:pic>
-        <p:nvPicPr>
-          <p:cNvPr id="1028" name="Picture 4" descr="C:\Users\Дмитрий\Desktop\OEBwVj6Yx2s.jpg"/>
+          <p:cNvPr id="1030" name="Picture 6" descr="C:\Users\Дмитрий\Desktop\S81204-22132459.jpg"/>
           <p:cNvPicPr>
             <a:picLocks noChangeAspect="1" noChangeArrowheads="1"/>
           </p:cNvPicPr>
@@ -4862,13 +4773,21 @@
         </p:blipFill>
         <p:spPr bwMode="auto">
           <a:xfrm>
-            <a:off x="6804248" y="2429690"/>
-            <a:ext cx="1892970" cy="3365281"/>
+            <a:off x="2373164" y="2598091"/>
+            <a:ext cx="2088232" cy="3712412"/>
           </a:xfrm>
           <a:prstGeom prst="rect">
             <a:avLst/>
           </a:prstGeom>
           <a:noFill/>
+          <a:effectLst>
+            <a:glow rad="127000">
+              <a:schemeClr val="tx2">
+                <a:lumMod val="50000"/>
+                <a:alpha val="65000"/>
+              </a:schemeClr>
+            </a:glow>
+          </a:effectLst>
           <a:extLst>
             <a:ext uri="{909E8E84-426E-40DD-AFC4-6F175D3DCCD1}">
               <a14:hiddenFill xmlns:a14="http://schemas.microsoft.com/office/drawing/2010/main">
@@ -4882,7 +4801,7 @@
       </p:pic>
       <p:pic>
         <p:nvPicPr>
-          <p:cNvPr id="1029" name="Picture 5" descr="C:\Users\Дмитрий\Desktop\Sh9P77DJ4GE.jpg"/>
+          <p:cNvPr id="6" name="Picture 7" descr="C:\Users\Дмитрий\Desktop\S81205-00193741.jpg"/>
           <p:cNvPicPr>
             <a:picLocks noChangeAspect="1" noChangeArrowheads="1"/>
           </p:cNvPicPr>
@@ -4903,13 +4822,21 @@
         </p:blipFill>
         <p:spPr bwMode="auto">
           <a:xfrm>
-            <a:off x="527150" y="1949971"/>
-            <a:ext cx="1782198" cy="3168352"/>
+            <a:off x="4644008" y="1628800"/>
+            <a:ext cx="2112765" cy="3756027"/>
           </a:xfrm>
           <a:prstGeom prst="rect">
             <a:avLst/>
           </a:prstGeom>
           <a:noFill/>
+          <a:effectLst>
+            <a:glow rad="127000">
+              <a:schemeClr val="tx2">
+                <a:lumMod val="50000"/>
+                <a:alpha val="65000"/>
+              </a:schemeClr>
+            </a:glow>
+          </a:effectLst>
           <a:extLst>
             <a:ext uri="{909E8E84-426E-40DD-AFC4-6F175D3DCCD1}">
               <a14:hiddenFill xmlns:a14="http://schemas.microsoft.com/office/drawing/2010/main">
@@ -4923,7 +4850,7 @@
       </p:pic>
       <p:pic>
         <p:nvPicPr>
-          <p:cNvPr id="1031" name="Picture 7" descr="C:\Users\Дмитрий\Desktop\YAPwc3WiLHo.jpg"/>
+          <p:cNvPr id="1032" name="Picture 8" descr="C:\Users\Дмитрий\Desktop\S81204-05333200.jpg"/>
           <p:cNvPicPr>
             <a:picLocks noChangeAspect="1" noChangeArrowheads="1"/>
           </p:cNvPicPr>
@@ -4944,13 +4871,70 @@
         </p:blipFill>
         <p:spPr bwMode="auto">
           <a:xfrm>
-            <a:off x="2585889" y="2780928"/>
-            <a:ext cx="1784264" cy="3172025"/>
+            <a:off x="6923541" y="2214240"/>
+            <a:ext cx="2184963" cy="3884380"/>
           </a:xfrm>
           <a:prstGeom prst="rect">
             <a:avLst/>
           </a:prstGeom>
           <a:noFill/>
+          <a:effectLst>
+            <a:glow rad="127000">
+              <a:schemeClr val="tx2">
+                <a:lumMod val="50000"/>
+                <a:alpha val="65000"/>
+              </a:schemeClr>
+            </a:glow>
+          </a:effectLst>
+          <a:extLst>
+            <a:ext uri="{909E8E84-426E-40DD-AFC4-6F175D3DCCD1}">
+              <a14:hiddenFill xmlns:a14="http://schemas.microsoft.com/office/drawing/2010/main">
+                <a:solidFill>
+                  <a:srgbClr val="FFFFFF"/>
+                </a:solidFill>
+              </a14:hiddenFill>
+            </a:ext>
+          </a:extLst>
+        </p:spPr>
+      </p:pic>
+      <p:pic>
+        <p:nvPicPr>
+          <p:cNvPr id="1033" name="Picture 9" descr="C:\Users\Дмитрий\Desktop\S81204-05331473.jpg"/>
+          <p:cNvPicPr>
+            <a:picLocks noChangeAspect="1" noChangeArrowheads="1"/>
+          </p:cNvPicPr>
+          <p:nvPr/>
+        </p:nvPicPr>
+        <p:blipFill>
+          <a:blip r:embed="rId6" cstate="print">
+            <a:extLst>
+              <a:ext uri="{28A0092B-C50C-407E-A947-70E740481C1C}">
+                <a14:useLocalDpi xmlns:a14="http://schemas.microsoft.com/office/drawing/2010/main" val="0"/>
+              </a:ext>
+            </a:extLst>
+          </a:blip>
+          <a:srcRect/>
+          <a:stretch>
+            <a:fillRect/>
+          </a:stretch>
+        </p:blipFill>
+        <p:spPr bwMode="auto">
+          <a:xfrm>
+            <a:off x="103770" y="1623939"/>
+            <a:ext cx="2115500" cy="3760888"/>
+          </a:xfrm>
+          <a:prstGeom prst="rect">
+            <a:avLst/>
+          </a:prstGeom>
+          <a:noFill/>
+          <a:effectLst>
+            <a:glow rad="127000">
+              <a:schemeClr val="tx2">
+                <a:lumMod val="50000"/>
+                <a:alpha val="65000"/>
+              </a:schemeClr>
+            </a:glow>
+          </a:effectLst>
           <a:extLst>
             <a:ext uri="{909E8E84-426E-40DD-AFC4-6F175D3DCCD1}">
               <a14:hiddenFill xmlns:a14="http://schemas.microsoft.com/office/drawing/2010/main">
@@ -4982,7 +4966,7 @@
 </p:sld>
 </file>
 
-<file path=ppt/slides/slide7.xml><?xml version="1.0" encoding="utf-8"?>
+<file path=ppt/slides/slide6.xml><?xml version="1.0" encoding="utf-8"?>
 <p:sld xmlns:a="http://schemas.openxmlformats.org/drawingml/2006/main" xmlns:r="http://schemas.openxmlformats.org/officeDocument/2006/relationships" xmlns:p="http://schemas.openxmlformats.org/presentationml/2006/main">
   <p:cSld>
     <p:spTree>
@@ -5245,7 +5229,7 @@
 </p:sld>
 </file>
 
-<file path=ppt/slides/slide8.xml><?xml version="1.0" encoding="utf-8"?>
+<file path=ppt/slides/slide7.xml><?xml version="1.0" encoding="utf-8"?>
 <p:sld xmlns:a="http://schemas.openxmlformats.org/drawingml/2006/main" xmlns:r="http://schemas.openxmlformats.org/officeDocument/2006/relationships" xmlns:p="http://schemas.openxmlformats.org/presentationml/2006/main">
   <p:cSld>
     <p:spTree>
@@ -5448,7 +5432,7 @@
 </p:sld>
 </file>
 
-<file path=ppt/slides/slide9.xml><?xml version="1.0" encoding="utf-8"?>
+<file path=ppt/slides/slide8.xml><?xml version="1.0" encoding="utf-8"?>
 <p:sld xmlns:a="http://schemas.openxmlformats.org/drawingml/2006/main" xmlns:r="http://schemas.openxmlformats.org/officeDocument/2006/relationships" xmlns:p="http://schemas.openxmlformats.org/presentationml/2006/main">
   <p:cSld>
     <p:spTree>
